--- a/Cloud Computing/Azure Functions/Azure Functions.pptx
+++ b/Cloud Computing/Azure Functions/Azure Functions.pptx
@@ -6,7 +6,7 @@
     <p:sldMasterId id="2147483663" r:id="rId2"/>
   </p:sldMasterIdLst>
   <p:notesMasterIdLst>
-    <p:notesMasterId r:id="rId16"/>
+    <p:notesMasterId r:id="rId15"/>
   </p:notesMasterIdLst>
   <p:sldIdLst>
     <p:sldId id="256" r:id="rId3"/>
@@ -20,8 +20,7 @@
     <p:sldId id="322" r:id="rId11"/>
     <p:sldId id="323" r:id="rId12"/>
     <p:sldId id="321" r:id="rId13"/>
-    <p:sldId id="295" r:id="rId14"/>
-    <p:sldId id="299" r:id="rId15"/>
+    <p:sldId id="299" r:id="rId14"/>
   </p:sldIdLst>
   <p:sldSz cx="12192000" cy="6858000"/>
   <p:notesSz cx="6858000" cy="9144000"/>
@@ -210,7 +209,7 @@
           <a:p>
             <a:fld id="{49B60EF2-7028-489F-85D8-FE86CD7CF2A0}" type="datetimeFigureOut">
               <a:rPr lang="en-US" smtClean="0"/>
-              <a:t>9/21/2016</a:t>
+              <a:t>10/1/2016</a:t>
             </a:fld>
             <a:endParaRPr lang="en-US"/>
           </a:p>
@@ -1909,7 +1908,7 @@
           <a:p>
             <a:fld id="{0459C166-16D3-4A25-A2F8-C51E0E346B22}" type="datetimeFigureOut">
               <a:rPr lang="en-US" smtClean="0"/>
-              <a:t>9/21/2016</a:t>
+              <a:t>10/1/2016</a:t>
             </a:fld>
             <a:endParaRPr lang="en-US"/>
           </a:p>
@@ -2004,7 +2003,7 @@
           <a:p>
             <a:fld id="{0459C166-16D3-4A25-A2F8-C51E0E346B22}" type="datetimeFigureOut">
               <a:rPr lang="en-US" smtClean="0"/>
-              <a:t>9/21/2016</a:t>
+              <a:t>10/1/2016</a:t>
             </a:fld>
             <a:endParaRPr lang="en-US"/>
           </a:p>
@@ -2279,7 +2278,7 @@
           <a:p>
             <a:fld id="{0459C166-16D3-4A25-A2F8-C51E0E346B22}" type="datetimeFigureOut">
               <a:rPr lang="en-US" smtClean="0"/>
-              <a:t>9/21/2016</a:t>
+              <a:t>10/1/2016</a:t>
             </a:fld>
             <a:endParaRPr lang="en-US"/>
           </a:p>
@@ -2531,7 +2530,7 @@
           <a:p>
             <a:fld id="{0459C166-16D3-4A25-A2F8-C51E0E346B22}" type="datetimeFigureOut">
               <a:rPr lang="en-US" smtClean="0"/>
-              <a:t>9/21/2016</a:t>
+              <a:t>10/1/2016</a:t>
             </a:fld>
             <a:endParaRPr lang="en-US"/>
           </a:p>
@@ -2699,7 +2698,7 @@
           <a:p>
             <a:fld id="{0459C166-16D3-4A25-A2F8-C51E0E346B22}" type="datetimeFigureOut">
               <a:rPr lang="en-US" smtClean="0"/>
-              <a:t>9/21/2016</a:t>
+              <a:t>10/1/2016</a:t>
             </a:fld>
             <a:endParaRPr lang="en-US"/>
           </a:p>
@@ -2877,7 +2876,7 @@
           <a:p>
             <a:fld id="{0459C166-16D3-4A25-A2F8-C51E0E346B22}" type="datetimeFigureOut">
               <a:rPr lang="en-US" smtClean="0"/>
-              <a:t>9/21/2016</a:t>
+              <a:t>10/1/2016</a:t>
             </a:fld>
             <a:endParaRPr lang="en-US"/>
           </a:p>
@@ -4782,7 +4781,7 @@
           <a:p>
             <a:fld id="{0459C166-16D3-4A25-A2F8-C51E0E346B22}" type="datetimeFigureOut">
               <a:rPr lang="en-US" smtClean="0"/>
-              <a:t>9/21/2016</a:t>
+              <a:t>10/1/2016</a:t>
             </a:fld>
             <a:endParaRPr lang="en-US"/>
           </a:p>
@@ -10346,7 +10345,7 @@
             <a:fld id="{0459C166-16D3-4A25-A2F8-C51E0E346B22}" type="datetimeFigureOut">
               <a:rPr lang="en-US" smtClean="0"/>
               <a:pPr/>
-              <a:t>9/21/2016</a:t>
+              <a:t>10/1/2016</a:t>
             </a:fld>
             <a:endParaRPr lang="en-US"/>
           </a:p>
@@ -14267,7 +14266,7 @@
           <a:p>
             <a:fld id="{0459C166-16D3-4A25-A2F8-C51E0E346B22}" type="datetimeFigureOut">
               <a:rPr lang="en-US" smtClean="0"/>
-              <a:t>9/21/2016</a:t>
+              <a:t>10/1/2016</a:t>
             </a:fld>
             <a:endParaRPr lang="en-US"/>
           </a:p>
@@ -14631,7 +14630,7 @@
           <a:p>
             <a:fld id="{0459C166-16D3-4A25-A2F8-C51E0E346B22}" type="datetimeFigureOut">
               <a:rPr lang="en-US" smtClean="0"/>
-              <a:t>9/21/2016</a:t>
+              <a:t>10/1/2016</a:t>
             </a:fld>
             <a:endParaRPr lang="en-US"/>
           </a:p>
@@ -14748,7 +14747,7 @@
           <a:p>
             <a:fld id="{0459C166-16D3-4A25-A2F8-C51E0E346B22}" type="datetimeFigureOut">
               <a:rPr lang="en-US" smtClean="0"/>
-              <a:t>9/21/2016</a:t>
+              <a:t>10/1/2016</a:t>
             </a:fld>
             <a:endParaRPr lang="en-US"/>
           </a:p>
@@ -14959,7 +14958,7 @@
           <a:p>
             <a:fld id="{0459C166-16D3-4A25-A2F8-C51E0E346B22}" type="datetimeFigureOut">
               <a:rPr lang="en-US" smtClean="0"/>
-              <a:t>9/21/2016</a:t>
+              <a:t>10/1/2016</a:t>
             </a:fld>
             <a:endParaRPr lang="en-US"/>
           </a:p>
@@ -16364,35 +16363,35 @@
                 <a:gridCol w="3052332">
                   <a:extLst>
                     <a:ext uri="{9D8B030D-6E8A-4147-A177-3AD203B41FA5}">
-                      <a16:colId xmlns="" xmlns:a16="http://schemas.microsoft.com/office/drawing/2014/main" val="1381631012"/>
+                      <a16:colId xmlns:a16="http://schemas.microsoft.com/office/drawing/2014/main" xmlns="" val="1381631012"/>
                     </a:ext>
                   </a:extLst>
                 </a:gridCol>
                 <a:gridCol w="3418879">
                   <a:extLst>
                     <a:ext uri="{9D8B030D-6E8A-4147-A177-3AD203B41FA5}">
-                      <a16:colId xmlns="" xmlns:a16="http://schemas.microsoft.com/office/drawing/2014/main" val="268957825"/>
+                      <a16:colId xmlns:a16="http://schemas.microsoft.com/office/drawing/2014/main" xmlns="" val="268957825"/>
                     </a:ext>
                   </a:extLst>
                 </a:gridCol>
                 <a:gridCol w="1139627">
                   <a:extLst>
                     <a:ext uri="{9D8B030D-6E8A-4147-A177-3AD203B41FA5}">
-                      <a16:colId xmlns="" xmlns:a16="http://schemas.microsoft.com/office/drawing/2014/main" val="3697201972"/>
+                      <a16:colId xmlns:a16="http://schemas.microsoft.com/office/drawing/2014/main" xmlns="" val="3697201972"/>
                     </a:ext>
                   </a:extLst>
                 </a:gridCol>
                 <a:gridCol w="1349557">
                   <a:extLst>
                     <a:ext uri="{9D8B030D-6E8A-4147-A177-3AD203B41FA5}">
-                      <a16:colId xmlns="" xmlns:a16="http://schemas.microsoft.com/office/drawing/2014/main" val="1062125523"/>
+                      <a16:colId xmlns:a16="http://schemas.microsoft.com/office/drawing/2014/main" xmlns="" val="1062125523"/>
                     </a:ext>
                   </a:extLst>
                 </a:gridCol>
                 <a:gridCol w="1199606">
                   <a:extLst>
                     <a:ext uri="{9D8B030D-6E8A-4147-A177-3AD203B41FA5}">
-                      <a16:colId xmlns="" xmlns:a16="http://schemas.microsoft.com/office/drawing/2014/main" val="1149894302"/>
+                      <a16:colId xmlns:a16="http://schemas.microsoft.com/office/drawing/2014/main" xmlns="" val="1149894302"/>
                     </a:ext>
                   </a:extLst>
                 </a:gridCol>
@@ -16468,7 +16467,7 @@
                 </a:tc>
                 <a:extLst>
                   <a:ext uri="{0D108BD9-81ED-4DB2-BD59-A6C34878D82A}">
-                    <a16:rowId xmlns="" xmlns:a16="http://schemas.microsoft.com/office/drawing/2014/main" val="2204649050"/>
+                    <a16:rowId xmlns:a16="http://schemas.microsoft.com/office/drawing/2014/main" xmlns="" val="2204649050"/>
                   </a:ext>
                 </a:extLst>
               </a:tr>
@@ -16537,7 +16536,7 @@
                 </a:tc>
                 <a:extLst>
                   <a:ext uri="{0D108BD9-81ED-4DB2-BD59-A6C34878D82A}">
-                    <a16:rowId xmlns="" xmlns:a16="http://schemas.microsoft.com/office/drawing/2014/main" val="4239000174"/>
+                    <a16:rowId xmlns:a16="http://schemas.microsoft.com/office/drawing/2014/main" xmlns="" val="4239000174"/>
                   </a:ext>
                 </a:extLst>
               </a:tr>
@@ -16617,7 +16616,7 @@
                 </a:tc>
                 <a:extLst>
                   <a:ext uri="{0D108BD9-81ED-4DB2-BD59-A6C34878D82A}">
-                    <a16:rowId xmlns="" xmlns:a16="http://schemas.microsoft.com/office/drawing/2014/main" val="900705094"/>
+                    <a16:rowId xmlns:a16="http://schemas.microsoft.com/office/drawing/2014/main" xmlns="" val="900705094"/>
                   </a:ext>
                 </a:extLst>
               </a:tr>
@@ -16692,7 +16691,7 @@
                 </a:tc>
                 <a:extLst>
                   <a:ext uri="{0D108BD9-81ED-4DB2-BD59-A6C34878D82A}">
-                    <a16:rowId xmlns="" xmlns:a16="http://schemas.microsoft.com/office/drawing/2014/main" val="671749842"/>
+                    <a16:rowId xmlns:a16="http://schemas.microsoft.com/office/drawing/2014/main" xmlns="" val="671749842"/>
                   </a:ext>
                 </a:extLst>
               </a:tr>
@@ -16764,7 +16763,7 @@
                 </a:tc>
                 <a:extLst>
                   <a:ext uri="{0D108BD9-81ED-4DB2-BD59-A6C34878D82A}">
-                    <a16:rowId xmlns="" xmlns:a16="http://schemas.microsoft.com/office/drawing/2014/main" val="1468464882"/>
+                    <a16:rowId xmlns:a16="http://schemas.microsoft.com/office/drawing/2014/main" xmlns="" val="1468464882"/>
                   </a:ext>
                 </a:extLst>
               </a:tr>
@@ -16836,7 +16835,7 @@
                 </a:tc>
                 <a:extLst>
                   <a:ext uri="{0D108BD9-81ED-4DB2-BD59-A6C34878D82A}">
-                    <a16:rowId xmlns="" xmlns:a16="http://schemas.microsoft.com/office/drawing/2014/main" val="3075698797"/>
+                    <a16:rowId xmlns:a16="http://schemas.microsoft.com/office/drawing/2014/main" xmlns="" val="3075698797"/>
                   </a:ext>
                 </a:extLst>
               </a:tr>
@@ -16908,7 +16907,7 @@
                 </a:tc>
                 <a:extLst>
                   <a:ext uri="{0D108BD9-81ED-4DB2-BD59-A6C34878D82A}">
-                    <a16:rowId xmlns="" xmlns:a16="http://schemas.microsoft.com/office/drawing/2014/main" val="1916531532"/>
+                    <a16:rowId xmlns:a16="http://schemas.microsoft.com/office/drawing/2014/main" xmlns="" val="1916531532"/>
                   </a:ext>
                 </a:extLst>
               </a:tr>
@@ -16980,7 +16979,7 @@
                 </a:tc>
                 <a:extLst>
                   <a:ext uri="{0D108BD9-81ED-4DB2-BD59-A6C34878D82A}">
-                    <a16:rowId xmlns="" xmlns:a16="http://schemas.microsoft.com/office/drawing/2014/main" val="2601799188"/>
+                    <a16:rowId xmlns:a16="http://schemas.microsoft.com/office/drawing/2014/main" xmlns="" val="2601799188"/>
                   </a:ext>
                 </a:extLst>
               </a:tr>
@@ -17052,7 +17051,7 @@
                 </a:tc>
                 <a:extLst>
                   <a:ext uri="{0D108BD9-81ED-4DB2-BD59-A6C34878D82A}">
-                    <a16:rowId xmlns="" xmlns:a16="http://schemas.microsoft.com/office/drawing/2014/main" val="1761236402"/>
+                    <a16:rowId xmlns:a16="http://schemas.microsoft.com/office/drawing/2014/main" xmlns="" val="1761236402"/>
                   </a:ext>
                 </a:extLst>
               </a:tr>
@@ -17121,7 +17120,7 @@
                 </a:tc>
                 <a:extLst>
                   <a:ext uri="{0D108BD9-81ED-4DB2-BD59-A6C34878D82A}">
-                    <a16:rowId xmlns="" xmlns:a16="http://schemas.microsoft.com/office/drawing/2014/main" val="1542988016"/>
+                    <a16:rowId xmlns:a16="http://schemas.microsoft.com/office/drawing/2014/main" xmlns="" val="1542988016"/>
                   </a:ext>
                 </a:extLst>
               </a:tr>
@@ -17339,81 +17338,6 @@
 </file>
 
 <file path=ppt/slides/slide12.xml><?xml version="1.0" encoding="utf-8"?>
-<p:sld xmlns:a="http://schemas.openxmlformats.org/drawingml/2006/main" xmlns:r="http://schemas.openxmlformats.org/officeDocument/2006/relationships" xmlns:p="http://schemas.openxmlformats.org/presentationml/2006/main">
-  <p:cSld>
-    <p:spTree>
-      <p:nvGrpSpPr>
-        <p:cNvPr id="1" name=""/>
-        <p:cNvGrpSpPr/>
-        <p:nvPr/>
-      </p:nvGrpSpPr>
-      <p:grpSpPr>
-        <a:xfrm>
-          <a:off x="0" y="0"/>
-          <a:ext cx="0" cy="0"/>
-          <a:chOff x="0" y="0"/>
-          <a:chExt cx="0" cy="0"/>
-        </a:xfrm>
-      </p:grpSpPr>
-      <p:sp>
-        <p:nvSpPr>
-          <p:cNvPr id="4" name="Title 3"/>
-          <p:cNvSpPr>
-            <a:spLocks noGrp="1"/>
-          </p:cNvSpPr>
-          <p:nvPr>
-            <p:ph type="title"/>
-          </p:nvPr>
-        </p:nvSpPr>
-        <p:spPr/>
-        <p:txBody>
-          <a:bodyPr/>
-          <a:lstStyle/>
-          <a:p>
-            <a:r>
-              <a:rPr lang="en-US" dirty="0"/>
-              <a:t>Hands-On Lab</a:t>
-            </a:r>
-          </a:p>
-        </p:txBody>
-      </p:sp>
-      <p:sp>
-        <p:nvSpPr>
-          <p:cNvPr id="5" name="Text Placeholder 4"/>
-          <p:cNvSpPr>
-            <a:spLocks noGrp="1"/>
-          </p:cNvSpPr>
-          <p:nvPr>
-            <p:ph type="body" idx="1"/>
-          </p:nvPr>
-        </p:nvSpPr>
-        <p:spPr/>
-        <p:txBody>
-          <a:bodyPr/>
-          <a:lstStyle/>
-          <a:p>
-            <a:r>
-              <a:rPr lang="en-US" dirty="0" smtClean="0"/>
-              <a:t>Azure Functions HOL.html</a:t>
-            </a:r>
-            <a:endParaRPr lang="en-US" dirty="0"/>
-          </a:p>
-        </p:txBody>
-      </p:sp>
-    </p:spTree>
-    <p:extLst>
-      <p:ext uri="{BB962C8B-B14F-4D97-AF65-F5344CB8AC3E}">
-        <p14:creationId xmlns:p14="http://schemas.microsoft.com/office/powerpoint/2010/main" val="3335184859"/>
-      </p:ext>
-    </p:extLst>
-  </p:cSld>
-  <p:clrMapOvr>
-    <a:masterClrMapping/>
-  </p:clrMapOvr>
-</p:sld>
-</file>
-
-<file path=ppt/slides/slide13.xml><?xml version="1.0" encoding="utf-8"?>
 <p:sld xmlns:a="http://schemas.openxmlformats.org/drawingml/2006/main" xmlns:r="http://schemas.openxmlformats.org/officeDocument/2006/relationships" xmlns:p="http://schemas.openxmlformats.org/presentationml/2006/main">
   <p:cSld>
     <p:spTree>
@@ -18455,15 +18379,7 @@
             </a:r>
             <a:r>
               <a:rPr lang="en-US" dirty="0" smtClean="0"/>
-              <a:t>&amp;</a:t>
-            </a:r>
-            <a:r>
-              <a:rPr lang="en-US" dirty="0" smtClean="0"/>
-              <a:t> </a:t>
-            </a:r>
-            <a:r>
-              <a:rPr lang="en-US" dirty="0" smtClean="0"/>
-              <a:t>API</a:t>
+              <a:t>&amp; API</a:t>
             </a:r>
             <a:endParaRPr lang="en-US" dirty="0"/>
           </a:p>
